--- a/docs/src/diagrams/architecture.pptx
+++ b/docs/src/diagrams/architecture.pptx
@@ -243,7 +243,7 @@
           <a:p>
             <a:fld id="{605B111B-7549-D448-8643-803B55AAE272}" type="datetimeFigureOut">
               <a:rPr lang="en-US" smtClean="0"/>
-              <a:t>7/23/17</a:t>
+              <a:t>7/25/17</a:t>
             </a:fld>
             <a:endParaRPr lang="en-US"/>
           </a:p>
@@ -413,7 +413,7 @@
           <a:p>
             <a:fld id="{605B111B-7549-D448-8643-803B55AAE272}" type="datetimeFigureOut">
               <a:rPr lang="en-US" smtClean="0"/>
-              <a:t>7/23/17</a:t>
+              <a:t>7/25/17</a:t>
             </a:fld>
             <a:endParaRPr lang="en-US"/>
           </a:p>
@@ -593,7 +593,7 @@
           <a:p>
             <a:fld id="{605B111B-7549-D448-8643-803B55AAE272}" type="datetimeFigureOut">
               <a:rPr lang="en-US" smtClean="0"/>
-              <a:t>7/23/17</a:t>
+              <a:t>7/25/17</a:t>
             </a:fld>
             <a:endParaRPr lang="en-US"/>
           </a:p>
@@ -763,7 +763,7 @@
           <a:p>
             <a:fld id="{605B111B-7549-D448-8643-803B55AAE272}" type="datetimeFigureOut">
               <a:rPr lang="en-US" smtClean="0"/>
-              <a:t>7/23/17</a:t>
+              <a:t>7/25/17</a:t>
             </a:fld>
             <a:endParaRPr lang="en-US"/>
           </a:p>
@@ -1009,7 +1009,7 @@
           <a:p>
             <a:fld id="{605B111B-7549-D448-8643-803B55AAE272}" type="datetimeFigureOut">
               <a:rPr lang="en-US" smtClean="0"/>
-              <a:t>7/23/17</a:t>
+              <a:t>7/25/17</a:t>
             </a:fld>
             <a:endParaRPr lang="en-US"/>
           </a:p>
@@ -1241,7 +1241,7 @@
           <a:p>
             <a:fld id="{605B111B-7549-D448-8643-803B55AAE272}" type="datetimeFigureOut">
               <a:rPr lang="en-US" smtClean="0"/>
-              <a:t>7/23/17</a:t>
+              <a:t>7/25/17</a:t>
             </a:fld>
             <a:endParaRPr lang="en-US"/>
           </a:p>
@@ -1608,7 +1608,7 @@
           <a:p>
             <a:fld id="{605B111B-7549-D448-8643-803B55AAE272}" type="datetimeFigureOut">
               <a:rPr lang="en-US" smtClean="0"/>
-              <a:t>7/23/17</a:t>
+              <a:t>7/25/17</a:t>
             </a:fld>
             <a:endParaRPr lang="en-US"/>
           </a:p>
@@ -1726,7 +1726,7 @@
           <a:p>
             <a:fld id="{605B111B-7549-D448-8643-803B55AAE272}" type="datetimeFigureOut">
               <a:rPr lang="en-US" smtClean="0"/>
-              <a:t>7/23/17</a:t>
+              <a:t>7/25/17</a:t>
             </a:fld>
             <a:endParaRPr lang="en-US"/>
           </a:p>
@@ -1821,7 +1821,7 @@
           <a:p>
             <a:fld id="{605B111B-7549-D448-8643-803B55AAE272}" type="datetimeFigureOut">
               <a:rPr lang="en-US" smtClean="0"/>
-              <a:t>7/23/17</a:t>
+              <a:t>7/25/17</a:t>
             </a:fld>
             <a:endParaRPr lang="en-US"/>
           </a:p>
@@ -2098,7 +2098,7 @@
           <a:p>
             <a:fld id="{605B111B-7549-D448-8643-803B55AAE272}" type="datetimeFigureOut">
               <a:rPr lang="en-US" smtClean="0"/>
-              <a:t>7/23/17</a:t>
+              <a:t>7/25/17</a:t>
             </a:fld>
             <a:endParaRPr lang="en-US"/>
           </a:p>
@@ -2351,7 +2351,7 @@
           <a:p>
             <a:fld id="{605B111B-7549-D448-8643-803B55AAE272}" type="datetimeFigureOut">
               <a:rPr lang="en-US" smtClean="0"/>
-              <a:t>7/23/17</a:t>
+              <a:t>7/25/17</a:t>
             </a:fld>
             <a:endParaRPr lang="en-US"/>
           </a:p>
@@ -2564,7 +2564,7 @@
           <a:p>
             <a:fld id="{605B111B-7549-D448-8643-803B55AAE272}" type="datetimeFigureOut">
               <a:rPr lang="en-US" smtClean="0"/>
-              <a:t>7/23/17</a:t>
+              <a:t>7/25/17</a:t>
             </a:fld>
             <a:endParaRPr lang="en-US"/>
           </a:p>
@@ -2977,7 +2977,7 @@
         </p:nvGrpSpPr>
         <p:grpSpPr>
           <a:xfrm>
-            <a:off x="1922224" y="27215"/>
+            <a:off x="4029323" y="27215"/>
             <a:ext cx="7880110" cy="6744286"/>
             <a:chOff x="2148727" y="113714"/>
             <a:chExt cx="7880110" cy="6744286"/>
@@ -3062,7 +3062,7 @@
         </p:nvSpPr>
         <p:spPr>
           <a:xfrm>
-            <a:off x="2904200" y="631508"/>
+            <a:off x="5504280" y="925706"/>
             <a:ext cx="2386613" cy="4888448"/>
           </a:xfrm>
           <a:prstGeom prst="roundRect">
@@ -3132,7 +3132,7 @@
         </p:nvSpPr>
         <p:spPr bwMode="auto">
           <a:xfrm>
-            <a:off x="5072785" y="6530778"/>
+            <a:off x="7715280" y="6411890"/>
             <a:ext cx="1557337" cy="276999"/>
           </a:xfrm>
           <a:prstGeom prst="rect">
@@ -3159,7 +3159,7 @@
                 <a:ea typeface="Verdana" pitchFamily="34" charset="0"/>
                 <a:cs typeface="Helvetica Neue"/>
               </a:rPr>
-              <a:t>AWS Region: </a:t>
+              <a:t>AWS </a:t>
             </a:r>
             <a:r>
               <a:rPr lang="en-US" sz="1200" b="1" dirty="0" smtClean="0">
@@ -3167,7 +3167,7 @@
                 <a:ea typeface="Verdana" pitchFamily="34" charset="0"/>
                 <a:cs typeface="Helvetica Neue"/>
               </a:rPr>
-              <a:t>us-east-2</a:t>
+              <a:t>Region</a:t>
             </a:r>
             <a:endParaRPr lang="en-US" sz="1200" b="1" dirty="0">
               <a:latin typeface="+mj-lt"/>
@@ -3185,7 +3185,7 @@
         </p:nvSpPr>
         <p:spPr>
           <a:xfrm>
-            <a:off x="2615235" y="934838"/>
+            <a:off x="5215315" y="1229036"/>
             <a:ext cx="6487292" cy="4308281"/>
           </a:xfrm>
           <a:prstGeom prst="roundRect">
@@ -3267,7 +3267,7 @@
         </p:blipFill>
         <p:spPr>
           <a:xfrm>
-            <a:off x="2800021" y="693599"/>
+            <a:off x="5400101" y="987797"/>
             <a:ext cx="600347" cy="391893"/>
           </a:xfrm>
           <a:prstGeom prst="rect">
@@ -3292,7 +3292,7 @@
         </p:nvSpPr>
         <p:spPr bwMode="auto">
           <a:xfrm>
-            <a:off x="3318837" y="5247392"/>
+            <a:off x="5918917" y="5541590"/>
             <a:ext cx="1557338" cy="276999"/>
           </a:xfrm>
           <a:prstGeom prst="rect">
@@ -3354,7 +3354,7 @@
         </p:nvSpPr>
         <p:spPr>
           <a:xfrm>
-            <a:off x="6473737" y="631508"/>
+            <a:off x="9073817" y="925706"/>
             <a:ext cx="2339823" cy="4888448"/>
           </a:xfrm>
           <a:prstGeom prst="roundRect">
@@ -3424,7 +3424,7 @@
         </p:nvSpPr>
         <p:spPr bwMode="auto">
           <a:xfrm>
-            <a:off x="6841586" y="5260033"/>
+            <a:off x="9441666" y="5554231"/>
             <a:ext cx="1557338" cy="276999"/>
           </a:xfrm>
           <a:prstGeom prst="rect">
@@ -3486,8 +3486,8 @@
         </p:nvSpPr>
         <p:spPr>
           <a:xfrm>
-            <a:off x="3069717" y="1201182"/>
-            <a:ext cx="2094614" cy="1425715"/>
+            <a:off x="5669797" y="1495380"/>
+            <a:ext cx="2094614" cy="3852269"/>
           </a:xfrm>
           <a:prstGeom prst="roundRect">
             <a:avLst>
@@ -3558,7 +3558,7 @@
         </p:blipFill>
         <p:spPr>
           <a:xfrm>
-            <a:off x="3111046" y="1101579"/>
+            <a:off x="5711126" y="1395777"/>
             <a:ext cx="210844" cy="235649"/>
           </a:xfrm>
           <a:prstGeom prst="rect">
@@ -3574,8 +3574,8 @@
         </p:nvSpPr>
         <p:spPr>
           <a:xfrm>
-            <a:off x="6570811" y="1192941"/>
-            <a:ext cx="2094614" cy="1419080"/>
+            <a:off x="9170891" y="1487138"/>
+            <a:ext cx="2094614" cy="3834341"/>
           </a:xfrm>
           <a:prstGeom prst="roundRect">
             <a:avLst>
@@ -3640,7 +3640,7 @@
         </p:nvSpPr>
         <p:spPr bwMode="auto">
           <a:xfrm>
-            <a:off x="6874472" y="1189438"/>
+            <a:off x="9474552" y="1483636"/>
             <a:ext cx="1519315" cy="246221"/>
           </a:xfrm>
           <a:prstGeom prst="rect">
@@ -3675,15 +3675,7 @@
                 <a:ea typeface="Verdana" pitchFamily="34" charset="0"/>
                 <a:cs typeface="Helvetica Neue"/>
               </a:rPr>
-              <a:t>subnet </a:t>
-            </a:r>
-            <a:r>
-              <a:rPr lang="en-US" sz="1000" b="1" smtClean="0">
-                <a:latin typeface="+mj-lt"/>
-                <a:ea typeface="Verdana" pitchFamily="34" charset="0"/>
-                <a:cs typeface="Helvetica Neue"/>
-              </a:rPr>
-              <a:t>2</a:t>
+              <a:t>subnet 2</a:t>
             </a:r>
             <a:endParaRPr lang="en-US" sz="1000" b="1" dirty="0">
               <a:latin typeface="+mj-lt"/>
@@ -3709,7 +3701,7 @@
         </p:blipFill>
         <p:spPr>
           <a:xfrm>
-            <a:off x="6612140" y="1105695"/>
+            <a:off x="9212220" y="1399893"/>
             <a:ext cx="210844" cy="235649"/>
           </a:xfrm>
           <a:prstGeom prst="rect">
@@ -3727,7 +3719,7 @@
         </p:nvSpPr>
         <p:spPr bwMode="auto">
           <a:xfrm>
-            <a:off x="5087109" y="4920010"/>
+            <a:off x="7687189" y="5214208"/>
             <a:ext cx="1555750" cy="369332"/>
           </a:xfrm>
           <a:prstGeom prst="rect">
@@ -3765,7 +3757,7 @@
                 <a:ea typeface="Verdana" pitchFamily="34" charset="0"/>
                 <a:cs typeface="Helvetica Neue"/>
               </a:rPr>
-              <a:t>10.0.0.0/16</a:t>
+              <a:t>10.215.0.0/16</a:t>
             </a:r>
             <a:endParaRPr lang="en-US" sz="900" b="1" dirty="0">
               <a:latin typeface="+mj-lt"/>
@@ -3797,7 +3789,7 @@
         </p:blipFill>
         <p:spPr>
           <a:xfrm>
-            <a:off x="5583643" y="672009"/>
+            <a:off x="8183723" y="966207"/>
             <a:ext cx="538196" cy="564237"/>
           </a:xfrm>
           <a:prstGeom prst="rect">
@@ -3813,7 +3805,7 @@
         </p:nvSpPr>
         <p:spPr>
           <a:xfrm>
-            <a:off x="5532701" y="1211196"/>
+            <a:off x="8132781" y="1505394"/>
             <a:ext cx="640080" cy="274320"/>
           </a:xfrm>
           <a:prstGeom prst="rect">
@@ -3844,7 +3836,7 @@
         </p:nvSpPr>
         <p:spPr>
           <a:xfrm>
-            <a:off x="5382661" y="4468241"/>
+            <a:off x="7982741" y="4762439"/>
             <a:ext cx="940160" cy="197381"/>
           </a:xfrm>
           <a:prstGeom prst="rect">
@@ -3889,7 +3881,7 @@
         </p:blipFill>
         <p:spPr>
           <a:xfrm>
-            <a:off x="5598176" y="3960585"/>
+            <a:off x="8198256" y="4254783"/>
             <a:ext cx="544781" cy="529649"/>
           </a:xfrm>
           <a:prstGeom prst="rect">
@@ -3919,7 +3911,7 @@
         </p:blipFill>
         <p:spPr>
           <a:xfrm>
-            <a:off x="5580922" y="1535163"/>
+            <a:off x="8181002" y="1829361"/>
             <a:ext cx="543639" cy="564959"/>
           </a:xfrm>
           <a:prstGeom prst="rect">
@@ -3935,7 +3927,7 @@
         </p:nvSpPr>
         <p:spPr>
           <a:xfrm>
-            <a:off x="5386603" y="2103364"/>
+            <a:off x="7986683" y="2397562"/>
             <a:ext cx="940160" cy="197381"/>
           </a:xfrm>
           <a:prstGeom prst="rect">
@@ -3966,7 +3958,7 @@
         </p:nvSpPr>
         <p:spPr>
           <a:xfrm>
-            <a:off x="3982596" y="4610854"/>
+            <a:off x="6582676" y="4905052"/>
             <a:ext cx="940160" cy="197381"/>
           </a:xfrm>
           <a:prstGeom prst="rect">
@@ -3997,7 +3989,7 @@
         </p:nvSpPr>
         <p:spPr>
           <a:xfrm>
-            <a:off x="6929384" y="4610854"/>
+            <a:off x="9529464" y="4905052"/>
             <a:ext cx="940160" cy="197381"/>
           </a:xfrm>
           <a:prstGeom prst="rect">
@@ -4014,107 +4006,34 @@
             <a:pPr algn="ctr"/>
             <a:r>
               <a:rPr lang="en-US" sz="900" b="1" dirty="0" smtClean="0"/>
-              <a:t>ECS</a:t>
-            </a:r>
-            <a:r>
-              <a:rPr lang="en-US" sz="900" b="1" dirty="0" smtClean="0"/>
-              <a:t> </a:t>
-            </a:r>
-            <a:r>
-              <a:rPr lang="en-US" sz="900" b="1" dirty="0" smtClean="0"/>
-              <a:t>Instances</a:t>
+              <a:t>ECS Instances</a:t>
             </a:r>
             <a:endParaRPr lang="en-US" sz="1600" b="1" dirty="0"/>
           </a:p>
         </p:txBody>
       </p:sp>
-      <p:pic>
-        <p:nvPicPr>
-          <p:cNvPr id="39" name="Picture 38"/>
-          <p:cNvPicPr>
-            <a:picLocks noChangeAspect="1"/>
-          </p:cNvPicPr>
-          <p:nvPr/>
-        </p:nvPicPr>
-        <p:blipFill>
-          <a:blip r:embed="rId8">
-            <a:extLst>
-              <a:ext uri="{28A0092B-C50C-407E-A947-70E740481C1C}">
-                <a14:useLocalDpi xmlns:a14="http://schemas.microsoft.com/office/drawing/2010/main" val="0"/>
-              </a:ext>
-            </a:extLst>
-          </a:blip>
-          <a:stretch>
-            <a:fillRect/>
-          </a:stretch>
-        </p:blipFill>
-        <p:spPr>
-          <a:xfrm>
-            <a:off x="5636721" y="5603328"/>
-            <a:ext cx="525324" cy="596313"/>
-          </a:xfrm>
-          <a:prstGeom prst="rect">
-            <a:avLst/>
-          </a:prstGeom>
-        </p:spPr>
-      </p:pic>
-      <p:pic>
-        <p:nvPicPr>
-          <p:cNvPr id="40" name="Picture 39"/>
-          <p:cNvPicPr>
-            <a:picLocks noChangeAspect="1"/>
-          </p:cNvPicPr>
-          <p:nvPr/>
-        </p:nvPicPr>
-        <p:blipFill>
-          <a:blip r:embed="rId9">
-            <a:extLst>
-              <a:ext uri="{28A0092B-C50C-407E-A947-70E740481C1C}">
-                <a14:useLocalDpi xmlns:a14="http://schemas.microsoft.com/office/drawing/2010/main" val="0"/>
-              </a:ext>
-            </a:extLst>
-          </a:blip>
-          <a:stretch>
-            <a:fillRect/>
-          </a:stretch>
-        </p:blipFill>
-        <p:spPr>
-          <a:xfrm>
-            <a:off x="6977023" y="5603328"/>
-            <a:ext cx="543292" cy="651950"/>
-          </a:xfrm>
-          <a:prstGeom prst="rect">
-            <a:avLst/>
-          </a:prstGeom>
-        </p:spPr>
-      </p:pic>
-      <p:sp>
-        <p:nvSpPr>
-          <p:cNvPr id="48" name="Rounded Rectangle 47"/>
+      <p:sp>
+        <p:nvSpPr>
+          <p:cNvPr id="50" name="Rounded Rectangle 49"/>
           <p:cNvSpPr/>
           <p:nvPr/>
         </p:nvSpPr>
         <p:spPr>
           <a:xfrm>
-            <a:off x="3087893" y="2830046"/>
-            <a:ext cx="2094614" cy="2111070"/>
+            <a:off x="5856214" y="3865620"/>
+            <a:ext cx="5275470" cy="1236813"/>
           </a:xfrm>
           <a:prstGeom prst="roundRect">
             <a:avLst>
-              <a:gd name="adj" fmla="val 4709"/>
+              <a:gd name="adj" fmla="val 9818"/>
             </a:avLst>
           </a:prstGeom>
-          <a:solidFill>
-            <a:schemeClr val="accent6">
-              <a:lumMod val="20000"/>
-              <a:lumOff val="80000"/>
-            </a:schemeClr>
-          </a:solidFill>
-          <a:ln w="6350">
+          <a:noFill/>
+          <a:ln w="19050">
             <a:solidFill>
               <a:schemeClr val="tx1"/>
             </a:solidFill>
-            <a:prstDash val="solid"/>
+            <a:prstDash val="lgDashDot"/>
           </a:ln>
           <a:effectLst/>
         </p:spPr>
@@ -4155,159 +4074,6 @@
           </a:p>
         </p:txBody>
       </p:sp>
-      <p:sp>
-        <p:nvSpPr>
-          <p:cNvPr id="62" name="Rounded Rectangle 61"/>
-          <p:cNvSpPr/>
-          <p:nvPr/>
-        </p:nvSpPr>
-        <p:spPr>
-          <a:xfrm>
-            <a:off x="6586823" y="2830046"/>
-            <a:ext cx="2094614" cy="2111070"/>
-          </a:xfrm>
-          <a:prstGeom prst="roundRect">
-            <a:avLst>
-              <a:gd name="adj" fmla="val 4709"/>
-            </a:avLst>
-          </a:prstGeom>
-          <a:solidFill>
-            <a:schemeClr val="accent6">
-              <a:lumMod val="20000"/>
-              <a:lumOff val="80000"/>
-            </a:schemeClr>
-          </a:solidFill>
-          <a:ln w="6350">
-            <a:solidFill>
-              <a:schemeClr val="tx1"/>
-            </a:solidFill>
-            <a:prstDash val="solid"/>
-          </a:ln>
-          <a:effectLst/>
-        </p:spPr>
-        <p:style>
-          <a:lnRef idx="1">
-            <a:schemeClr val="accent1"/>
-          </a:lnRef>
-          <a:fillRef idx="3">
-            <a:schemeClr val="accent1"/>
-          </a:fillRef>
-          <a:effectRef idx="2">
-            <a:schemeClr val="accent1"/>
-          </a:effectRef>
-          <a:fontRef idx="minor">
-            <a:schemeClr val="lt1"/>
-          </a:fontRef>
-        </p:style>
-        <p:txBody>
-          <a:bodyPr anchor="ctr"/>
-          <a:lstStyle/>
-          <a:p>
-            <a:pPr algn="ctr" fontAlgn="auto">
-              <a:spcBef>
-                <a:spcPts val="0"/>
-              </a:spcBef>
-              <a:spcAft>
-                <a:spcPts val="0"/>
-              </a:spcAft>
-              <a:defRPr/>
-            </a:pPr>
-            <a:endParaRPr lang="en-US" dirty="0">
-              <a:solidFill>
-                <a:schemeClr val="tx1"/>
-              </a:solidFill>
-              <a:latin typeface="Helvetica Neue"/>
-              <a:cs typeface="Helvetica Neue"/>
-            </a:endParaRPr>
-          </a:p>
-        </p:txBody>
-      </p:sp>
-      <p:pic>
-        <p:nvPicPr>
-          <p:cNvPr id="53" name="Picture 52"/>
-          <p:cNvPicPr>
-            <a:picLocks noChangeAspect="1"/>
-          </p:cNvPicPr>
-          <p:nvPr/>
-        </p:nvPicPr>
-        <p:blipFill>
-          <a:blip r:embed="rId4"/>
-          <a:stretch>
-            <a:fillRect/>
-          </a:stretch>
-        </p:blipFill>
-        <p:spPr>
-          <a:xfrm>
-            <a:off x="3129222" y="2730443"/>
-            <a:ext cx="210844" cy="235649"/>
-          </a:xfrm>
-          <a:prstGeom prst="rect">
-            <a:avLst/>
-          </a:prstGeom>
-        </p:spPr>
-      </p:pic>
-      <p:sp>
-        <p:nvSpPr>
-          <p:cNvPr id="50" name="Rounded Rectangle 49"/>
-          <p:cNvSpPr/>
-          <p:nvPr/>
-        </p:nvSpPr>
-        <p:spPr>
-          <a:xfrm>
-            <a:off x="3256134" y="3571422"/>
-            <a:ext cx="5275470" cy="1236813"/>
-          </a:xfrm>
-          <a:prstGeom prst="roundRect">
-            <a:avLst>
-              <a:gd name="adj" fmla="val 9818"/>
-            </a:avLst>
-          </a:prstGeom>
-          <a:noFill/>
-          <a:ln w="19050">
-            <a:solidFill>
-              <a:schemeClr val="tx1"/>
-            </a:solidFill>
-            <a:prstDash val="lgDashDot"/>
-          </a:ln>
-          <a:effectLst/>
-        </p:spPr>
-        <p:style>
-          <a:lnRef idx="1">
-            <a:schemeClr val="accent1"/>
-          </a:lnRef>
-          <a:fillRef idx="3">
-            <a:schemeClr val="accent1"/>
-          </a:fillRef>
-          <a:effectRef idx="2">
-            <a:schemeClr val="accent1"/>
-          </a:effectRef>
-          <a:fontRef idx="minor">
-            <a:schemeClr val="lt1"/>
-          </a:fontRef>
-        </p:style>
-        <p:txBody>
-          <a:bodyPr anchor="ctr"/>
-          <a:lstStyle/>
-          <a:p>
-            <a:pPr algn="ctr" fontAlgn="auto">
-              <a:spcBef>
-                <a:spcPts val="0"/>
-              </a:spcBef>
-              <a:spcAft>
-                <a:spcPts val="0"/>
-              </a:spcAft>
-              <a:defRPr/>
-            </a:pPr>
-            <a:endParaRPr lang="en-US" dirty="0">
-              <a:solidFill>
-                <a:schemeClr val="tx1"/>
-              </a:solidFill>
-              <a:latin typeface="Helvetica Neue"/>
-              <a:cs typeface="Helvetica Neue"/>
-            </a:endParaRPr>
-          </a:p>
-        </p:txBody>
-      </p:sp>
       <p:pic>
         <p:nvPicPr>
           <p:cNvPr id="51" name="Picture 50"/>
@@ -4317,7 +4083,7 @@
           <p:nvPr/>
         </p:nvPicPr>
         <p:blipFill>
-          <a:blip r:embed="rId10">
+          <a:blip r:embed="rId8">
             <a:alphaModFix/>
             <a:extLst>
               <a:ext uri="{28A0092B-C50C-407E-A947-70E740481C1C}">
@@ -4331,32 +4097,8 @@
         </p:blipFill>
         <p:spPr>
           <a:xfrm>
-            <a:off x="4387952" y="4028798"/>
+            <a:off x="6988032" y="4322996"/>
             <a:ext cx="544781" cy="575047"/>
-          </a:xfrm>
-          <a:prstGeom prst="rect">
-            <a:avLst/>
-          </a:prstGeom>
-        </p:spPr>
-      </p:pic>
-      <p:pic>
-        <p:nvPicPr>
-          <p:cNvPr id="63" name="Picture 62"/>
-          <p:cNvPicPr>
-            <a:picLocks noChangeAspect="1"/>
-          </p:cNvPicPr>
-          <p:nvPr/>
-        </p:nvPicPr>
-        <p:blipFill>
-          <a:blip r:embed="rId4"/>
-          <a:stretch>
-            <a:fillRect/>
-          </a:stretch>
-        </p:blipFill>
-        <p:spPr>
-          <a:xfrm>
-            <a:off x="6631846" y="2730443"/>
-            <a:ext cx="210844" cy="235649"/>
           </a:xfrm>
           <a:prstGeom prst="rect">
             <a:avLst/>
@@ -4372,7 +4114,7 @@
           <p:nvPr/>
         </p:nvPicPr>
         <p:blipFill>
-          <a:blip r:embed="rId10">
+          <a:blip r:embed="rId8">
             <a:alphaModFix/>
             <a:extLst>
               <a:ext uri="{28A0092B-C50C-407E-A947-70E740481C1C}">
@@ -4386,7 +4128,7 @@
         </p:blipFill>
         <p:spPr>
           <a:xfrm>
-            <a:off x="7093043" y="4028798"/>
+            <a:off x="9693123" y="4322996"/>
             <a:ext cx="544781" cy="575047"/>
           </a:xfrm>
           <a:prstGeom prst="rect">
@@ -4394,9 +4136,162 @@
           </a:prstGeom>
         </p:spPr>
       </p:pic>
-      <p:sp>
-        <p:nvSpPr>
-          <p:cNvPr id="65" name="TextBox 37"/>
+      <p:grpSp>
+        <p:nvGrpSpPr>
+          <p:cNvPr id="34" name="Group 33"/>
+          <p:cNvGrpSpPr/>
+          <p:nvPr/>
+        </p:nvGrpSpPr>
+        <p:grpSpPr>
+          <a:xfrm>
+            <a:off x="3852471" y="4432340"/>
+            <a:ext cx="1555750" cy="795791"/>
+            <a:chOff x="3812515" y="4432340"/>
+            <a:chExt cx="1555750" cy="795791"/>
+          </a:xfrm>
+        </p:grpSpPr>
+        <p:pic>
+          <p:nvPicPr>
+            <p:cNvPr id="67" name="Picture 66"/>
+            <p:cNvPicPr>
+              <a:picLocks noChangeAspect="1"/>
+            </p:cNvPicPr>
+            <p:nvPr/>
+          </p:nvPicPr>
+          <p:blipFill>
+            <a:blip r:embed="rId9">
+              <a:extLst>
+                <a:ext uri="{28A0092B-C50C-407E-A947-70E740481C1C}">
+                  <a14:useLocalDpi xmlns:a14="http://schemas.microsoft.com/office/drawing/2010/main" val="0"/>
+                </a:ext>
+              </a:extLst>
+            </a:blip>
+            <a:stretch>
+              <a:fillRect/>
+            </a:stretch>
+          </p:blipFill>
+          <p:spPr>
+            <a:xfrm>
+              <a:off x="4284755" y="4432340"/>
+              <a:ext cx="537139" cy="564959"/>
+            </a:xfrm>
+            <a:prstGeom prst="rect">
+              <a:avLst/>
+            </a:prstGeom>
+          </p:spPr>
+        </p:pic>
+        <p:sp>
+          <p:nvSpPr>
+            <p:cNvPr id="68" name="TextBox 37"/>
+            <p:cNvSpPr txBox="1">
+              <a:spLocks noChangeArrowheads="1"/>
+            </p:cNvSpPr>
+            <p:nvPr/>
+          </p:nvSpPr>
+          <p:spPr bwMode="auto">
+            <a:xfrm>
+              <a:off x="3812515" y="4997299"/>
+              <a:ext cx="1555750" cy="230832"/>
+            </a:xfrm>
+            <a:prstGeom prst="rect">
+              <a:avLst/>
+            </a:prstGeom>
+            <a:noFill/>
+            <a:ln w="9525">
+              <a:noFill/>
+              <a:miter lim="800000"/>
+              <a:headEnd/>
+              <a:tailEnd/>
+            </a:ln>
+          </p:spPr>
+          <p:txBody>
+            <a:bodyPr>
+              <a:spAutoFit/>
+            </a:bodyPr>
+            <a:lstStyle/>
+            <a:p>
+              <a:pPr algn="ctr"/>
+              <a:r>
+                <a:rPr lang="en-US" sz="900" b="1" smtClean="0">
+                  <a:latin typeface="+mj-lt"/>
+                  <a:ea typeface="Verdana" pitchFamily="34" charset="0"/>
+                  <a:cs typeface="Helvetica Neue"/>
+                </a:rPr>
+                <a:t>EC2 Container Registry</a:t>
+              </a:r>
+              <a:endParaRPr lang="en-US" sz="900" b="1" dirty="0" smtClean="0">
+                <a:latin typeface="+mj-lt"/>
+                <a:ea typeface="Verdana" pitchFamily="34" charset="0"/>
+                <a:cs typeface="Helvetica Neue"/>
+              </a:endParaRPr>
+            </a:p>
+          </p:txBody>
+        </p:sp>
+      </p:grpSp>
+      <p:pic>
+        <p:nvPicPr>
+          <p:cNvPr id="43" name="Picture 42"/>
+          <p:cNvPicPr>
+            <a:picLocks noChangeAspect="1"/>
+          </p:cNvPicPr>
+          <p:nvPr/>
+        </p:nvPicPr>
+        <p:blipFill>
+          <a:blip r:embed="rId10">
+            <a:extLst>
+              <a:ext uri="{28A0092B-C50C-407E-A947-70E740481C1C}">
+                <a14:useLocalDpi xmlns:a14="http://schemas.microsoft.com/office/drawing/2010/main" val="0"/>
+              </a:ext>
+            </a:extLst>
+          </a:blip>
+          <a:stretch>
+            <a:fillRect/>
+          </a:stretch>
+        </p:blipFill>
+        <p:spPr>
+          <a:xfrm>
+            <a:off x="5983298" y="3610633"/>
+            <a:ext cx="463789" cy="434802"/>
+          </a:xfrm>
+          <a:prstGeom prst="rect">
+            <a:avLst/>
+          </a:prstGeom>
+        </p:spPr>
+      </p:pic>
+      <p:sp>
+        <p:nvSpPr>
+          <p:cNvPr id="73" name="TextBox 72"/>
+          <p:cNvSpPr txBox="1"/>
+          <p:nvPr/>
+        </p:nvSpPr>
+        <p:spPr>
+          <a:xfrm>
+            <a:off x="6479169" y="3688818"/>
+            <a:ext cx="1405717" cy="215531"/>
+          </a:xfrm>
+          <a:prstGeom prst="rect">
+            <a:avLst/>
+          </a:prstGeom>
+          <a:noFill/>
+        </p:spPr>
+        <p:txBody>
+          <a:bodyPr wrap="square" lIns="0" tIns="0" rIns="0" bIns="0" rtlCol="0" anchor="t">
+            <a:noAutofit/>
+          </a:bodyPr>
+          <a:lstStyle/>
+          <a:p>
+            <a:pPr algn="ctr"/>
+            <a:r>
+              <a:rPr lang="en-US" sz="900" b="1" smtClean="0"/>
+              <a:t>EC2 Container Service Cluster</a:t>
+            </a:r>
+            <a:endParaRPr lang="en-US" sz="1600" b="1" dirty="0"/>
+          </a:p>
+        </p:txBody>
+      </p:sp>
+      <p:sp>
+        <p:nvSpPr>
+          <p:cNvPr id="15" name="TextBox 37"/>
           <p:cNvSpPr txBox="1">
             <a:spLocks noChangeArrowheads="1"/>
           </p:cNvSpPr>
@@ -4404,8 +4299,8 @@
         </p:nvSpPr>
         <p:spPr bwMode="auto">
           <a:xfrm>
-            <a:off x="6463988" y="6211146"/>
-            <a:ext cx="1555750" cy="369332"/>
+            <a:off x="5856214" y="1483636"/>
+            <a:ext cx="1519315" cy="246221"/>
           </a:xfrm>
           <a:prstGeom prst="rect">
             <a:avLst/>
@@ -4419,32 +4314,21 @@
           </a:ln>
         </p:spPr>
         <p:txBody>
-          <a:bodyPr>
+          <a:bodyPr wrap="square">
             <a:spAutoFit/>
           </a:bodyPr>
           <a:lstStyle/>
           <a:p>
             <a:pPr algn="ctr"/>
             <a:r>
-              <a:rPr lang="en-US" sz="900" b="1" dirty="0" smtClean="0">
+              <a:rPr lang="en-US" sz="1000" b="1" dirty="0" smtClean="0">
                 <a:latin typeface="+mj-lt"/>
                 <a:ea typeface="Verdana" pitchFamily="34" charset="0"/>
                 <a:cs typeface="Helvetica Neue"/>
               </a:rPr>
-              <a:t>Elastic File System </a:t>
-            </a:r>
-          </a:p>
-          <a:p>
-            <a:pPr algn="ctr"/>
-            <a:r>
-              <a:rPr lang="en-US" sz="900" b="1" dirty="0" smtClean="0">
-                <a:latin typeface="+mj-lt"/>
-                <a:ea typeface="Verdana" pitchFamily="34" charset="0"/>
-                <a:cs typeface="Helvetica Neue"/>
-              </a:rPr>
-              <a:t>(Shared NFS for volumes)</a:t>
-            </a:r>
-            <a:endParaRPr lang="en-US" sz="900" b="1" dirty="0">
+              <a:t>Public subnet 1</a:t>
+            </a:r>
+            <a:endParaRPr lang="en-US" sz="1000" b="1" dirty="0">
               <a:latin typeface="+mj-lt"/>
               <a:ea typeface="Verdana" pitchFamily="34" charset="0"/>
               <a:cs typeface="Helvetica Neue"/>
@@ -4452,67 +4336,9 @@
           </a:p>
         </p:txBody>
       </p:sp>
-      <p:sp>
-        <p:nvSpPr>
-          <p:cNvPr id="66" name="TextBox 37"/>
-          <p:cNvSpPr txBox="1">
-            <a:spLocks noChangeArrowheads="1"/>
-          </p:cNvSpPr>
-          <p:nvPr/>
-        </p:nvSpPr>
-        <p:spPr bwMode="auto">
-          <a:xfrm>
-            <a:off x="5089590" y="6211146"/>
-            <a:ext cx="1555750" cy="369332"/>
-          </a:xfrm>
-          <a:prstGeom prst="rect">
-            <a:avLst/>
-          </a:prstGeom>
-          <a:noFill/>
-          <a:ln w="9525">
-            <a:noFill/>
-            <a:miter lim="800000"/>
-            <a:headEnd/>
-            <a:tailEnd/>
-          </a:ln>
-        </p:spPr>
-        <p:txBody>
-          <a:bodyPr>
-            <a:spAutoFit/>
-          </a:bodyPr>
-          <a:lstStyle/>
-          <a:p>
-            <a:pPr algn="ctr"/>
-            <a:r>
-              <a:rPr lang="en-US" sz="900" b="1" dirty="0" smtClean="0">
-                <a:latin typeface="+mj-lt"/>
-                <a:ea typeface="Verdana" pitchFamily="34" charset="0"/>
-                <a:cs typeface="Helvetica Neue"/>
-              </a:rPr>
-              <a:t>CloudWatch Logs</a:t>
-            </a:r>
-          </a:p>
-          <a:p>
-            <a:pPr algn="ctr"/>
-            <a:r>
-              <a:rPr lang="en-US" sz="900" b="1" dirty="0" smtClean="0">
-                <a:latin typeface="+mj-lt"/>
-                <a:ea typeface="Verdana" pitchFamily="34" charset="0"/>
-                <a:cs typeface="Helvetica Neue"/>
-              </a:rPr>
-              <a:t>(centralized container logs)</a:t>
-            </a:r>
-            <a:endParaRPr lang="en-US" sz="900" b="1" dirty="0">
-              <a:latin typeface="+mj-lt"/>
-              <a:ea typeface="Verdana" pitchFamily="34" charset="0"/>
-              <a:cs typeface="Helvetica Neue"/>
-            </a:endParaRPr>
-          </a:p>
-        </p:txBody>
-      </p:sp>
       <p:pic>
         <p:nvPicPr>
-          <p:cNvPr id="67" name="Picture 66"/>
+          <p:cNvPr id="84" name="Picture 83"/>
           <p:cNvPicPr>
             <a:picLocks noChangeAspect="1"/>
           </p:cNvPicPr>
@@ -4532,8 +4358,8 @@
         </p:blipFill>
         <p:spPr>
           <a:xfrm>
-            <a:off x="4284605" y="5603328"/>
-            <a:ext cx="537139" cy="564959"/>
+            <a:off x="9044329" y="4228290"/>
+            <a:ext cx="540572" cy="304833"/>
           </a:xfrm>
           <a:prstGeom prst="rect">
             <a:avLst/>
@@ -4542,264 +4368,222 @@
       </p:pic>
       <p:sp>
         <p:nvSpPr>
-          <p:cNvPr id="68" name="TextBox 37"/>
-          <p:cNvSpPr txBox="1">
-            <a:spLocks noChangeArrowheads="1"/>
-          </p:cNvSpPr>
+          <p:cNvPr id="85" name="TextBox 84"/>
+          <p:cNvSpPr txBox="1"/>
           <p:nvPr/>
         </p:nvSpPr>
-        <p:spPr bwMode="auto">
-          <a:xfrm>
-            <a:off x="3783742" y="6211146"/>
-            <a:ext cx="1555750" cy="369332"/>
+        <p:spPr>
+          <a:xfrm>
+            <a:off x="8995968" y="4546971"/>
+            <a:ext cx="640080" cy="184307"/>
           </a:xfrm>
           <a:prstGeom prst="rect">
             <a:avLst/>
           </a:prstGeom>
           <a:noFill/>
-          <a:ln w="9525">
+        </p:spPr>
+        <p:txBody>
+          <a:bodyPr wrap="square" lIns="0" tIns="0" rIns="0" bIns="0" rtlCol="0" anchor="t">
+            <a:noAutofit/>
+          </a:bodyPr>
+          <a:lstStyle/>
+          <a:p>
+            <a:pPr algn="ctr"/>
+            <a:r>
+              <a:rPr lang="en-US" sz="800" b="1" dirty="0" smtClean="0"/>
+              <a:t>API</a:t>
+            </a:r>
+            <a:endParaRPr lang="en-US" sz="1400" b="1" dirty="0"/>
+          </a:p>
+        </p:txBody>
+      </p:sp>
+      <p:grpSp>
+        <p:nvGrpSpPr>
+          <p:cNvPr id="106" name="Group 105"/>
+          <p:cNvGrpSpPr/>
+          <p:nvPr/>
+        </p:nvGrpSpPr>
+        <p:grpSpPr>
+          <a:xfrm>
+            <a:off x="3852471" y="3394787"/>
+            <a:ext cx="1555750" cy="851732"/>
+            <a:chOff x="8891414" y="4876938"/>
+            <a:chExt cx="1555750" cy="851732"/>
+          </a:xfrm>
+        </p:grpSpPr>
+        <p:pic>
+          <p:nvPicPr>
+            <p:cNvPr id="107" name="Picture 106"/>
+            <p:cNvPicPr>
+              <a:picLocks noChangeAspect="1"/>
+            </p:cNvPicPr>
+            <p:nvPr/>
+          </p:nvPicPr>
+          <p:blipFill>
+            <a:blip r:embed="rId12">
+              <a:extLst>
+                <a:ext uri="{28A0092B-C50C-407E-A947-70E740481C1C}">
+                  <a14:useLocalDpi xmlns:a14="http://schemas.microsoft.com/office/drawing/2010/main" val="0"/>
+                </a:ext>
+              </a:extLst>
+            </a:blip>
+            <a:stretch>
+              <a:fillRect/>
+            </a:stretch>
+          </p:blipFill>
+          <p:spPr>
+            <a:xfrm>
+              <a:off x="9411463" y="4876938"/>
+              <a:ext cx="533234" cy="643018"/>
+            </a:xfrm>
+            <a:prstGeom prst="rect">
+              <a:avLst/>
+            </a:prstGeom>
+          </p:spPr>
+        </p:pic>
+        <p:sp>
+          <p:nvSpPr>
+            <p:cNvPr id="108" name="TextBox 37"/>
+            <p:cNvSpPr txBox="1">
+              <a:spLocks noChangeArrowheads="1"/>
+            </p:cNvSpPr>
+            <p:nvPr/>
+          </p:nvSpPr>
+          <p:spPr bwMode="auto">
+            <a:xfrm>
+              <a:off x="8891414" y="5497838"/>
+              <a:ext cx="1555750" cy="230832"/>
+            </a:xfrm>
+            <a:prstGeom prst="rect">
+              <a:avLst/>
+            </a:prstGeom>
             <a:noFill/>
-            <a:miter lim="800000"/>
-            <a:headEnd/>
-            <a:tailEnd/>
-          </a:ln>
-        </p:spPr>
-        <p:txBody>
-          <a:bodyPr>
-            <a:spAutoFit/>
-          </a:bodyPr>
-          <a:lstStyle/>
-          <a:p>
-            <a:pPr algn="ctr"/>
-            <a:r>
-              <a:rPr lang="en-US" sz="900" b="1" dirty="0" smtClean="0">
+            <a:ln w="9525">
+              <a:noFill/>
+              <a:miter lim="800000"/>
+              <a:headEnd/>
+              <a:tailEnd/>
+            </a:ln>
+          </p:spPr>
+          <p:txBody>
+            <a:bodyPr>
+              <a:spAutoFit/>
+            </a:bodyPr>
+            <a:lstStyle/>
+            <a:p>
+              <a:pPr algn="ctr"/>
+              <a:r>
+                <a:rPr lang="en-US" sz="900" b="1" dirty="0" smtClean="0">
+                  <a:latin typeface="+mj-lt"/>
+                  <a:ea typeface="Verdana" pitchFamily="34" charset="0"/>
+                  <a:cs typeface="Helvetica Neue"/>
+                </a:rPr>
+                <a:t>CodeBuild</a:t>
+              </a:r>
+              <a:endParaRPr lang="en-US" sz="900" b="1" dirty="0">
                 <a:latin typeface="+mj-lt"/>
                 <a:ea typeface="Verdana" pitchFamily="34" charset="0"/>
                 <a:cs typeface="Helvetica Neue"/>
-              </a:rPr>
-              <a:t>Container Registry</a:t>
-            </a:r>
-          </a:p>
-          <a:p>
-            <a:pPr algn="ctr"/>
-            <a:r>
-              <a:rPr lang="en-US" sz="900" b="1" dirty="0" smtClean="0">
+              </a:endParaRPr>
+            </a:p>
+          </p:txBody>
+        </p:sp>
+      </p:grpSp>
+      <p:grpSp>
+        <p:nvGrpSpPr>
+          <p:cNvPr id="109" name="Group 108"/>
+          <p:cNvGrpSpPr/>
+          <p:nvPr/>
+        </p:nvGrpSpPr>
+        <p:grpSpPr>
+          <a:xfrm>
+            <a:off x="3852471" y="1283406"/>
+            <a:ext cx="1555750" cy="873850"/>
+            <a:chOff x="10176885" y="3564208"/>
+            <a:chExt cx="1555750" cy="873850"/>
+          </a:xfrm>
+        </p:grpSpPr>
+        <p:pic>
+          <p:nvPicPr>
+            <p:cNvPr id="110" name="Picture 109"/>
+            <p:cNvPicPr>
+              <a:picLocks noChangeAspect="1"/>
+            </p:cNvPicPr>
+            <p:nvPr/>
+          </p:nvPicPr>
+          <p:blipFill>
+            <a:blip r:embed="rId13">
+              <a:extLst>
+                <a:ext uri="{28A0092B-C50C-407E-A947-70E740481C1C}">
+                  <a14:useLocalDpi xmlns:a14="http://schemas.microsoft.com/office/drawing/2010/main" val="0"/>
+                </a:ext>
+              </a:extLst>
+            </a:blip>
+            <a:stretch>
+              <a:fillRect/>
+            </a:stretch>
+          </p:blipFill>
+          <p:spPr>
+            <a:xfrm>
+              <a:off x="10686102" y="3564208"/>
+              <a:ext cx="537317" cy="643018"/>
+            </a:xfrm>
+            <a:prstGeom prst="rect">
+              <a:avLst/>
+            </a:prstGeom>
+          </p:spPr>
+        </p:pic>
+        <p:sp>
+          <p:nvSpPr>
+            <p:cNvPr id="111" name="TextBox 37"/>
+            <p:cNvSpPr txBox="1">
+              <a:spLocks noChangeArrowheads="1"/>
+            </p:cNvSpPr>
+            <p:nvPr/>
+          </p:nvSpPr>
+          <p:spPr bwMode="auto">
+            <a:xfrm>
+              <a:off x="10176885" y="4207226"/>
+              <a:ext cx="1555750" cy="230832"/>
+            </a:xfrm>
+            <a:prstGeom prst="rect">
+              <a:avLst/>
+            </a:prstGeom>
+            <a:noFill/>
+            <a:ln w="9525">
+              <a:noFill/>
+              <a:miter lim="800000"/>
+              <a:headEnd/>
+              <a:tailEnd/>
+            </a:ln>
+          </p:spPr>
+          <p:txBody>
+            <a:bodyPr>
+              <a:spAutoFit/>
+            </a:bodyPr>
+            <a:lstStyle/>
+            <a:p>
+              <a:pPr algn="ctr"/>
+              <a:r>
+                <a:rPr lang="en-US" sz="900" b="1" dirty="0" smtClean="0">
+                  <a:latin typeface="+mj-lt"/>
+                  <a:ea typeface="Verdana" pitchFamily="34" charset="0"/>
+                  <a:cs typeface="Helvetica Neue"/>
+                </a:rPr>
+                <a:t>CodePipeline</a:t>
+              </a:r>
+              <a:endParaRPr lang="en-US" sz="900" b="1" dirty="0">
                 <a:latin typeface="+mj-lt"/>
                 <a:ea typeface="Verdana" pitchFamily="34" charset="0"/>
                 <a:cs typeface="Helvetica Neue"/>
-              </a:rPr>
-              <a:t>(private images)</a:t>
-            </a:r>
-            <a:endParaRPr lang="en-US" sz="900" b="1" dirty="0">
-              <a:latin typeface="+mj-lt"/>
-              <a:ea typeface="Verdana" pitchFamily="34" charset="0"/>
-              <a:cs typeface="Helvetica Neue"/>
-            </a:endParaRPr>
-          </a:p>
-        </p:txBody>
-      </p:sp>
-      <p:sp>
-        <p:nvSpPr>
-          <p:cNvPr id="69" name="TextBox 68"/>
-          <p:cNvSpPr txBox="1"/>
-          <p:nvPr/>
-        </p:nvSpPr>
-        <p:spPr>
-          <a:xfrm>
-            <a:off x="7811866" y="1965318"/>
-            <a:ext cx="640080" cy="184307"/>
-          </a:xfrm>
-          <a:prstGeom prst="rect">
-            <a:avLst/>
-          </a:prstGeom>
-          <a:noFill/>
-        </p:spPr>
-        <p:txBody>
-          <a:bodyPr wrap="square" lIns="0" tIns="0" rIns="0" bIns="0" rtlCol="0" anchor="t">
-            <a:noAutofit/>
-          </a:bodyPr>
-          <a:lstStyle/>
-          <a:p>
-            <a:pPr algn="ctr"/>
-            <a:r>
-              <a:rPr lang="en-US" sz="800" b="1" dirty="0" smtClean="0"/>
-              <a:t>NAT </a:t>
-            </a:r>
-            <a:r>
-              <a:rPr lang="en-US" sz="800" b="1" dirty="0"/>
-              <a:t>G</a:t>
-            </a:r>
-            <a:r>
-              <a:rPr lang="en-US" sz="800" b="1" dirty="0" smtClean="0"/>
-              <a:t>ateway</a:t>
-            </a:r>
-            <a:endParaRPr lang="en-US" sz="1400" b="1" dirty="0"/>
-          </a:p>
-        </p:txBody>
-      </p:sp>
+              </a:endParaRPr>
+            </a:p>
+          </p:txBody>
+        </p:sp>
+      </p:grpSp>
       <p:pic>
         <p:nvPicPr>
-          <p:cNvPr id="70" name="Picture 69"/>
-          <p:cNvPicPr>
-            <a:picLocks noChangeAspect="1"/>
-          </p:cNvPicPr>
-          <p:nvPr/>
-        </p:nvPicPr>
-        <p:blipFill>
-          <a:blip r:embed="rId12">
-            <a:extLst>
-              <a:ext uri="{28A0092B-C50C-407E-A947-70E740481C1C}">
-                <a14:useLocalDpi xmlns:a14="http://schemas.microsoft.com/office/drawing/2010/main" val="0"/>
-              </a:ext>
-            </a:extLst>
-          </a:blip>
-          <a:stretch>
-            <a:fillRect/>
-          </a:stretch>
-        </p:blipFill>
-        <p:spPr>
-          <a:xfrm>
-            <a:off x="7903900" y="1474551"/>
-            <a:ext cx="459019" cy="473827"/>
-          </a:xfrm>
-          <a:prstGeom prst="rect">
-            <a:avLst/>
-          </a:prstGeom>
-        </p:spPr>
-      </p:pic>
-      <p:sp>
-        <p:nvSpPr>
-          <p:cNvPr id="71" name="TextBox 70"/>
-          <p:cNvSpPr txBox="1"/>
-          <p:nvPr/>
-        </p:nvSpPr>
-        <p:spPr>
-          <a:xfrm>
-            <a:off x="3341752" y="1965318"/>
-            <a:ext cx="640080" cy="184307"/>
-          </a:xfrm>
-          <a:prstGeom prst="rect">
-            <a:avLst/>
-          </a:prstGeom>
-          <a:noFill/>
-        </p:spPr>
-        <p:txBody>
-          <a:bodyPr wrap="square" lIns="0" tIns="0" rIns="0" bIns="0" rtlCol="0" anchor="t">
-            <a:noAutofit/>
-          </a:bodyPr>
-          <a:lstStyle/>
-          <a:p>
-            <a:pPr algn="ctr"/>
-            <a:r>
-              <a:rPr lang="en-US" sz="800" b="1" smtClean="0"/>
-              <a:t>NAT </a:t>
-            </a:r>
-            <a:r>
-              <a:rPr lang="en-US" sz="800" b="1" dirty="0"/>
-              <a:t>G</a:t>
-            </a:r>
-            <a:r>
-              <a:rPr lang="en-US" sz="800" b="1" smtClean="0"/>
-              <a:t>ateway</a:t>
-            </a:r>
-            <a:endParaRPr lang="en-US" sz="1400" b="1" dirty="0"/>
-          </a:p>
-        </p:txBody>
-      </p:sp>
-      <p:pic>
-        <p:nvPicPr>
-          <p:cNvPr id="72" name="Picture 71"/>
-          <p:cNvPicPr>
-            <a:picLocks noChangeAspect="1"/>
-          </p:cNvPicPr>
-          <p:nvPr/>
-        </p:nvPicPr>
-        <p:blipFill>
-          <a:blip r:embed="rId12">
-            <a:extLst>
-              <a:ext uri="{28A0092B-C50C-407E-A947-70E740481C1C}">
-                <a14:useLocalDpi xmlns:a14="http://schemas.microsoft.com/office/drawing/2010/main" val="0"/>
-              </a:ext>
-            </a:extLst>
-          </a:blip>
-          <a:stretch>
-            <a:fillRect/>
-          </a:stretch>
-        </p:blipFill>
-        <p:spPr>
-          <a:xfrm>
-            <a:off x="3433786" y="1474551"/>
-            <a:ext cx="459019" cy="473827"/>
-          </a:xfrm>
-          <a:prstGeom prst="rect">
-            <a:avLst/>
-          </a:prstGeom>
-        </p:spPr>
-      </p:pic>
-      <p:pic>
-        <p:nvPicPr>
-          <p:cNvPr id="43" name="Picture 42"/>
-          <p:cNvPicPr>
-            <a:picLocks noChangeAspect="1"/>
-          </p:cNvPicPr>
-          <p:nvPr/>
-        </p:nvPicPr>
-        <p:blipFill>
-          <a:blip r:embed="rId13">
-            <a:extLst>
-              <a:ext uri="{28A0092B-C50C-407E-A947-70E740481C1C}">
-                <a14:useLocalDpi xmlns:a14="http://schemas.microsoft.com/office/drawing/2010/main" val="0"/>
-              </a:ext>
-            </a:extLst>
-          </a:blip>
-          <a:stretch>
-            <a:fillRect/>
-          </a:stretch>
-        </p:blipFill>
-        <p:spPr>
-          <a:xfrm>
-            <a:off x="3725124" y="3260778"/>
-            <a:ext cx="463789" cy="434802"/>
-          </a:xfrm>
-          <a:prstGeom prst="rect">
-            <a:avLst/>
-          </a:prstGeom>
-        </p:spPr>
-      </p:pic>
-      <p:sp>
-        <p:nvSpPr>
-          <p:cNvPr id="73" name="TextBox 72"/>
-          <p:cNvSpPr txBox="1"/>
-          <p:nvPr/>
-        </p:nvSpPr>
-        <p:spPr>
-          <a:xfrm>
-            <a:off x="4284605" y="3370767"/>
-            <a:ext cx="1405717" cy="215531"/>
-          </a:xfrm>
-          <a:prstGeom prst="rect">
-            <a:avLst/>
-          </a:prstGeom>
-          <a:noFill/>
-        </p:spPr>
-        <p:txBody>
-          <a:bodyPr wrap="square" lIns="0" tIns="0" rIns="0" bIns="0" rtlCol="0" anchor="t">
-            <a:noAutofit/>
-          </a:bodyPr>
-          <a:lstStyle/>
-          <a:p>
-            <a:pPr algn="ctr"/>
-            <a:r>
-              <a:rPr lang="en-US" sz="900" b="1" smtClean="0"/>
-              <a:t>EC2 Container Service Cluster</a:t>
-            </a:r>
-            <a:endParaRPr lang="en-US" sz="1600" b="1" dirty="0"/>
-          </a:p>
-        </p:txBody>
-      </p:sp>
-      <p:pic>
-        <p:nvPicPr>
-          <p:cNvPr id="74" name="Picture 73"/>
+          <p:cNvPr id="112" name="Picture 111"/>
           <p:cNvPicPr>
             <a:picLocks noChangeAspect="1"/>
           </p:cNvPicPr>
@@ -4819,94 +4603,121 @@
         </p:blipFill>
         <p:spPr>
           <a:xfrm>
-            <a:off x="3408284" y="4108569"/>
-            <a:ext cx="540572" cy="304833"/>
+            <a:off x="1417675" y="266366"/>
+            <a:ext cx="1466944" cy="604381"/>
           </a:xfrm>
           <a:prstGeom prst="rect">
             <a:avLst/>
           </a:prstGeom>
         </p:spPr>
       </p:pic>
-      <p:sp>
-        <p:nvSpPr>
-          <p:cNvPr id="75" name="TextBox 74"/>
-          <p:cNvSpPr txBox="1"/>
+      <p:grpSp>
+        <p:nvGrpSpPr>
+          <p:cNvPr id="113" name="Group 112"/>
+          <p:cNvGrpSpPr/>
           <p:nvPr/>
-        </p:nvSpPr>
-        <p:spPr>
-          <a:xfrm>
-            <a:off x="7093043" y="4610556"/>
-            <a:ext cx="640080" cy="184307"/>
-          </a:xfrm>
-          <a:prstGeom prst="rect">
-            <a:avLst/>
-          </a:prstGeom>
-          <a:noFill/>
-        </p:spPr>
-        <p:txBody>
-          <a:bodyPr wrap="square" lIns="0" tIns="0" rIns="0" bIns="0" rtlCol="0" anchor="t">
-            <a:noAutofit/>
-          </a:bodyPr>
-          <a:lstStyle/>
-          <a:p>
-            <a:pPr algn="ctr"/>
-            <a:r>
-              <a:rPr lang="en-US" sz="800" b="1" dirty="0" smtClean="0"/>
-              <a:t>ECS Instances</a:t>
-            </a:r>
-            <a:endParaRPr lang="en-US" sz="1400" b="1" dirty="0"/>
-          </a:p>
-        </p:txBody>
-      </p:sp>
-      <p:sp>
-        <p:nvSpPr>
-          <p:cNvPr id="76" name="TextBox 75"/>
-          <p:cNvSpPr txBox="1"/>
-          <p:nvPr/>
-        </p:nvSpPr>
-        <p:spPr>
-          <a:xfrm>
-            <a:off x="4318472" y="4610556"/>
-            <a:ext cx="640080" cy="184307"/>
-          </a:xfrm>
-          <a:prstGeom prst="rect">
-            <a:avLst/>
-          </a:prstGeom>
-          <a:noFill/>
-        </p:spPr>
-        <p:txBody>
-          <a:bodyPr wrap="square" lIns="0" tIns="0" rIns="0" bIns="0" rtlCol="0" anchor="t">
-            <a:noAutofit/>
-          </a:bodyPr>
-          <a:lstStyle/>
-          <a:p>
-            <a:pPr algn="ctr"/>
-            <a:r>
-              <a:rPr lang="en-US" sz="800" b="1" dirty="0" smtClean="0"/>
-              <a:t>ECS Instances</a:t>
-            </a:r>
-            <a:endParaRPr lang="en-US" sz="1400" b="1" dirty="0"/>
-          </a:p>
-        </p:txBody>
-      </p:sp>
+        </p:nvGrpSpPr>
+        <p:grpSpPr>
+          <a:xfrm>
+            <a:off x="1346116" y="2279409"/>
+            <a:ext cx="1555750" cy="910343"/>
+            <a:chOff x="10219066" y="2100122"/>
+            <a:chExt cx="1555750" cy="910343"/>
+          </a:xfrm>
+        </p:grpSpPr>
+        <p:pic>
+          <p:nvPicPr>
+            <p:cNvPr id="114" name="Picture 113"/>
+            <p:cNvPicPr>
+              <a:picLocks noChangeAspect="1"/>
+            </p:cNvPicPr>
+            <p:nvPr/>
+          </p:nvPicPr>
+          <p:blipFill>
+            <a:blip r:embed="rId15">
+              <a:extLst>
+                <a:ext uri="{28A0092B-C50C-407E-A947-70E740481C1C}">
+                  <a14:useLocalDpi xmlns:a14="http://schemas.microsoft.com/office/drawing/2010/main" val="0"/>
+                </a:ext>
+              </a:extLst>
+            </a:blip>
+            <a:stretch>
+              <a:fillRect/>
+            </a:stretch>
+          </p:blipFill>
+          <p:spPr>
+            <a:xfrm>
+              <a:off x="10631181" y="2100122"/>
+              <a:ext cx="731520" cy="707136"/>
+            </a:xfrm>
+            <a:prstGeom prst="rect">
+              <a:avLst/>
+            </a:prstGeom>
+          </p:spPr>
+        </p:pic>
+        <p:sp>
+          <p:nvSpPr>
+            <p:cNvPr id="115" name="TextBox 37"/>
+            <p:cNvSpPr txBox="1">
+              <a:spLocks noChangeArrowheads="1"/>
+            </p:cNvSpPr>
+            <p:nvPr/>
+          </p:nvSpPr>
+          <p:spPr bwMode="auto">
+            <a:xfrm>
+              <a:off x="10219066" y="2779633"/>
+              <a:ext cx="1555750" cy="230832"/>
+            </a:xfrm>
+            <a:prstGeom prst="rect">
+              <a:avLst/>
+            </a:prstGeom>
+            <a:noFill/>
+            <a:ln w="9525">
+              <a:noFill/>
+              <a:miter lim="800000"/>
+              <a:headEnd/>
+              <a:tailEnd/>
+            </a:ln>
+          </p:spPr>
+          <p:txBody>
+            <a:bodyPr>
+              <a:spAutoFit/>
+            </a:bodyPr>
+            <a:lstStyle/>
+            <a:p>
+              <a:pPr algn="ctr"/>
+              <a:r>
+                <a:rPr lang="en-US" sz="900" b="1" dirty="0" smtClean="0">
+                  <a:latin typeface="+mj-lt"/>
+                  <a:ea typeface="Verdana" pitchFamily="34" charset="0"/>
+                  <a:cs typeface="Helvetica Neue"/>
+                </a:rPr>
+                <a:t>Developers</a:t>
+              </a:r>
+              <a:endParaRPr lang="en-US" sz="900" b="1" dirty="0">
+                <a:latin typeface="+mj-lt"/>
+                <a:ea typeface="Verdana" pitchFamily="34" charset="0"/>
+                <a:cs typeface="Helvetica Neue"/>
+              </a:endParaRPr>
+            </a:p>
+          </p:txBody>
+        </p:sp>
+      </p:grpSp>
       <p:cxnSp>
         <p:nvCxnSpPr>
-          <p:cNvPr id="3" name="Straight Arrow Connector 2"/>
+          <p:cNvPr id="116" name="Straight Arrow Connector 115"/>
           <p:cNvCxnSpPr/>
           <p:nvPr/>
         </p:nvCxnSpPr>
         <p:spPr>
-          <a:xfrm flipV="1">
-            <a:off x="3892805" y="934838"/>
-            <a:ext cx="1639896" cy="402390"/>
+          <a:xfrm>
+            <a:off x="1632471" y="1189438"/>
+            <a:ext cx="0" cy="1100475"/>
           </a:xfrm>
           <a:prstGeom prst="straightConnector1">
             <a:avLst/>
           </a:prstGeom>
           <a:ln>
-            <a:solidFill>
-              <a:schemeClr val="accent2"/>
-            </a:solidFill>
             <a:tailEnd type="triangle"/>
           </a:ln>
         </p:spPr>
@@ -4925,24 +4736,131 @@
           </a:fontRef>
         </p:style>
       </p:cxnSp>
+      <p:sp>
+        <p:nvSpPr>
+          <p:cNvPr id="117" name="TextBox 37"/>
+          <p:cNvSpPr txBox="1">
+            <a:spLocks noChangeArrowheads="1"/>
+          </p:cNvSpPr>
+          <p:nvPr/>
+        </p:nvSpPr>
+        <p:spPr bwMode="auto">
+          <a:xfrm>
+            <a:off x="384604" y="958606"/>
+            <a:ext cx="1555750" cy="230832"/>
+          </a:xfrm>
+          <a:prstGeom prst="rect">
+            <a:avLst/>
+          </a:prstGeom>
+          <a:noFill/>
+          <a:ln w="9525">
+            <a:noFill/>
+            <a:miter lim="800000"/>
+            <a:headEnd/>
+            <a:tailEnd/>
+          </a:ln>
+        </p:spPr>
+        <p:txBody>
+          <a:bodyPr>
+            <a:spAutoFit/>
+          </a:bodyPr>
+          <a:lstStyle/>
+          <a:p>
+            <a:pPr algn="ctr"/>
+            <a:r>
+              <a:rPr lang="en-US" sz="900" b="1" dirty="0" smtClean="0">
+                <a:latin typeface="+mj-lt"/>
+                <a:ea typeface="Verdana" pitchFamily="34" charset="0"/>
+                <a:cs typeface="Helvetica Neue"/>
+              </a:rPr>
+              <a:t>1.) Project code </a:t>
+            </a:r>
+            <a:r>
+              <a:rPr lang="en-US" sz="900" b="1" dirty="0" smtClean="0">
+                <a:latin typeface="+mj-lt"/>
+                <a:ea typeface="Verdana" pitchFamily="34" charset="0"/>
+                <a:cs typeface="Helvetica Neue"/>
+              </a:rPr>
+              <a:t>fork/clone</a:t>
+            </a:r>
+            <a:endParaRPr lang="en-US" sz="900" b="1" dirty="0">
+              <a:latin typeface="+mj-lt"/>
+              <a:ea typeface="Verdana" pitchFamily="34" charset="0"/>
+              <a:cs typeface="Helvetica Neue"/>
+            </a:endParaRPr>
+          </a:p>
+        </p:txBody>
+      </p:sp>
+      <p:sp>
+        <p:nvSpPr>
+          <p:cNvPr id="118" name="TextBox 37"/>
+          <p:cNvSpPr txBox="1">
+            <a:spLocks noChangeArrowheads="1"/>
+          </p:cNvSpPr>
+          <p:nvPr/>
+        </p:nvSpPr>
+        <p:spPr bwMode="auto">
+          <a:xfrm>
+            <a:off x="1940354" y="962762"/>
+            <a:ext cx="1555750" cy="230832"/>
+          </a:xfrm>
+          <a:prstGeom prst="rect">
+            <a:avLst/>
+          </a:prstGeom>
+          <a:noFill/>
+          <a:ln w="9525">
+            <a:noFill/>
+            <a:miter lim="800000"/>
+            <a:headEnd/>
+            <a:tailEnd/>
+          </a:ln>
+        </p:spPr>
+        <p:txBody>
+          <a:bodyPr>
+            <a:spAutoFit/>
+          </a:bodyPr>
+          <a:lstStyle/>
+          <a:p>
+            <a:pPr algn="ctr"/>
+            <a:r>
+              <a:rPr lang="en-US" sz="900" b="1" dirty="0" smtClean="0">
+                <a:latin typeface="+mj-lt"/>
+                <a:ea typeface="Verdana" pitchFamily="34" charset="0"/>
+                <a:cs typeface="Helvetica Neue"/>
+              </a:rPr>
+              <a:t>2</a:t>
+            </a:r>
+            <a:r>
+              <a:rPr lang="en-US" sz="900" b="1" dirty="0" smtClean="0">
+                <a:latin typeface="+mj-lt"/>
+                <a:ea typeface="Verdana" pitchFamily="34" charset="0"/>
+                <a:cs typeface="Helvetica Neue"/>
+              </a:rPr>
+              <a:t>.) GitHub hook authorized</a:t>
+            </a:r>
+            <a:endParaRPr lang="en-US" sz="900" b="1" dirty="0">
+              <a:latin typeface="+mj-lt"/>
+              <a:ea typeface="Verdana" pitchFamily="34" charset="0"/>
+              <a:cs typeface="Helvetica Neue"/>
+            </a:endParaRPr>
+          </a:p>
+        </p:txBody>
+      </p:sp>
       <p:cxnSp>
         <p:nvCxnSpPr>
-          <p:cNvPr id="77" name="Straight Arrow Connector 76"/>
+          <p:cNvPr id="119" name="Straight Arrow Connector 118"/>
           <p:cNvCxnSpPr/>
           <p:nvPr/>
         </p:nvCxnSpPr>
         <p:spPr>
-          <a:xfrm flipH="1" flipV="1">
-            <a:off x="6142957" y="929155"/>
-            <a:ext cx="1639896" cy="402390"/>
+          <a:xfrm flipV="1">
+            <a:off x="2631076" y="1189437"/>
+            <a:ext cx="0" cy="1100475"/>
           </a:xfrm>
           <a:prstGeom prst="straightConnector1">
             <a:avLst/>
           </a:prstGeom>
           <a:ln>
-            <a:solidFill>
-              <a:schemeClr val="accent2"/>
-            </a:solidFill>
             <a:tailEnd type="triangle"/>
           </a:ln>
         </p:spPr>
@@ -4961,24 +4879,113 @@
           </a:fontRef>
         </p:style>
       </p:cxnSp>
+      <p:grpSp>
+        <p:nvGrpSpPr>
+          <p:cNvPr id="120" name="Group 119"/>
+          <p:cNvGrpSpPr/>
+          <p:nvPr/>
+        </p:nvGrpSpPr>
+        <p:grpSpPr>
+          <a:xfrm>
+            <a:off x="3852471" y="2343077"/>
+            <a:ext cx="1555750" cy="865889"/>
+            <a:chOff x="10300915" y="4901975"/>
+            <a:chExt cx="1555750" cy="865889"/>
+          </a:xfrm>
+        </p:grpSpPr>
+        <p:pic>
+          <p:nvPicPr>
+            <p:cNvPr id="121" name="Picture 120"/>
+            <p:cNvPicPr>
+              <a:picLocks noChangeAspect="1"/>
+            </p:cNvPicPr>
+            <p:nvPr/>
+          </p:nvPicPr>
+          <p:blipFill>
+            <a:blip r:embed="rId16">
+              <a:extLst>
+                <a:ext uri="{28A0092B-C50C-407E-A947-70E740481C1C}">
+                  <a14:useLocalDpi xmlns:a14="http://schemas.microsoft.com/office/drawing/2010/main" val="0"/>
+                </a:ext>
+              </a:extLst>
+            </a:blip>
+            <a:stretch>
+              <a:fillRect/>
+            </a:stretch>
+          </p:blipFill>
+          <p:spPr>
+            <a:xfrm>
+              <a:off x="10821743" y="4901975"/>
+              <a:ext cx="514094" cy="635057"/>
+            </a:xfrm>
+            <a:prstGeom prst="rect">
+              <a:avLst/>
+            </a:prstGeom>
+          </p:spPr>
+        </p:pic>
+        <p:sp>
+          <p:nvSpPr>
+            <p:cNvPr id="122" name="TextBox 37"/>
+            <p:cNvSpPr txBox="1">
+              <a:spLocks noChangeArrowheads="1"/>
+            </p:cNvSpPr>
+            <p:nvPr/>
+          </p:nvSpPr>
+          <p:spPr bwMode="auto">
+            <a:xfrm>
+              <a:off x="10300915" y="5537032"/>
+              <a:ext cx="1555750" cy="230832"/>
+            </a:xfrm>
+            <a:prstGeom prst="rect">
+              <a:avLst/>
+            </a:prstGeom>
+            <a:noFill/>
+            <a:ln w="9525">
+              <a:noFill/>
+              <a:miter lim="800000"/>
+              <a:headEnd/>
+              <a:tailEnd/>
+            </a:ln>
+          </p:spPr>
+          <p:txBody>
+            <a:bodyPr>
+              <a:spAutoFit/>
+            </a:bodyPr>
+            <a:lstStyle/>
+            <a:p>
+              <a:pPr algn="ctr"/>
+              <a:r>
+                <a:rPr lang="en-US" sz="900" b="1" dirty="0" smtClean="0">
+                  <a:latin typeface="+mj-lt"/>
+                  <a:ea typeface="Verdana" pitchFamily="34" charset="0"/>
+                  <a:cs typeface="Helvetica Neue"/>
+                </a:rPr>
+                <a:t>CloudFormation</a:t>
+              </a:r>
+              <a:endParaRPr lang="en-US" sz="900" b="1" dirty="0">
+                <a:latin typeface="+mj-lt"/>
+                <a:ea typeface="Verdana" pitchFamily="34" charset="0"/>
+                <a:cs typeface="Helvetica Neue"/>
+              </a:endParaRPr>
+            </a:p>
+          </p:txBody>
+        </p:sp>
+      </p:grpSp>
       <p:cxnSp>
         <p:nvCxnSpPr>
-          <p:cNvPr id="78" name="Straight Arrow Connector 77"/>
+          <p:cNvPr id="123" name="Straight Arrow Connector 122"/>
           <p:cNvCxnSpPr/>
           <p:nvPr/>
         </p:nvCxnSpPr>
         <p:spPr>
-          <a:xfrm flipH="1" flipV="1">
-            <a:off x="3661792" y="2030943"/>
-            <a:ext cx="600072" cy="1986993"/>
+          <a:xfrm flipV="1">
+            <a:off x="2742191" y="2672066"/>
+            <a:ext cx="1092517" cy="743"/>
           </a:xfrm>
           <a:prstGeom prst="straightConnector1">
             <a:avLst/>
           </a:prstGeom>
           <a:ln>
-            <a:solidFill>
-              <a:schemeClr val="accent2"/>
-            </a:solidFill>
             <a:tailEnd type="triangle"/>
           </a:ln>
         </p:spPr>
@@ -4997,16 +5004,71 @@
           </a:fontRef>
         </p:style>
       </p:cxnSp>
+      <p:sp>
+        <p:nvSpPr>
+          <p:cNvPr id="124" name="TextBox 37"/>
+          <p:cNvSpPr txBox="1">
+            <a:spLocks noChangeArrowheads="1"/>
+          </p:cNvSpPr>
+          <p:nvPr/>
+        </p:nvSpPr>
+        <p:spPr bwMode="auto">
+          <a:xfrm>
+            <a:off x="2459006" y="2820420"/>
+            <a:ext cx="1555750" cy="369332"/>
+          </a:xfrm>
+          <a:prstGeom prst="rect">
+            <a:avLst/>
+          </a:prstGeom>
+          <a:noFill/>
+          <a:ln w="9525">
+            <a:noFill/>
+            <a:miter lim="800000"/>
+            <a:headEnd/>
+            <a:tailEnd/>
+          </a:ln>
+        </p:spPr>
+        <p:txBody>
+          <a:bodyPr>
+            <a:spAutoFit/>
+          </a:bodyPr>
+          <a:lstStyle/>
+          <a:p>
+            <a:pPr algn="ctr"/>
+            <a:r>
+              <a:rPr lang="en-US" sz="900" b="1" dirty="0">
+                <a:latin typeface="+mj-lt"/>
+                <a:ea typeface="Verdana" pitchFamily="34" charset="0"/>
+                <a:cs typeface="Helvetica Neue"/>
+              </a:rPr>
+              <a:t>3</a:t>
+            </a:r>
+            <a:r>
+              <a:rPr lang="en-US" sz="900" b="1" dirty="0" smtClean="0">
+                <a:latin typeface="+mj-lt"/>
+                <a:ea typeface="Verdana" pitchFamily="34" charset="0"/>
+                <a:cs typeface="Helvetica Neue"/>
+              </a:rPr>
+              <a:t>.) Provision using CloudFormation</a:t>
+            </a:r>
+            <a:endParaRPr lang="en-US" sz="900" b="1" dirty="0">
+              <a:latin typeface="+mj-lt"/>
+              <a:ea typeface="Verdana" pitchFamily="34" charset="0"/>
+              <a:cs typeface="Helvetica Neue"/>
+            </a:endParaRPr>
+          </a:p>
+        </p:txBody>
+      </p:sp>
       <p:cxnSp>
         <p:nvCxnSpPr>
-          <p:cNvPr id="79" name="Straight Arrow Connector 78"/>
+          <p:cNvPr id="125" name="Straight Arrow Connector 124"/>
           <p:cNvCxnSpPr/>
           <p:nvPr/>
         </p:nvCxnSpPr>
         <p:spPr>
-          <a:xfrm flipV="1">
-            <a:off x="7567278" y="2030943"/>
-            <a:ext cx="600071" cy="1953570"/>
+          <a:xfrm flipH="1" flipV="1">
+            <a:off x="8588572" y="2712739"/>
+            <a:ext cx="631420" cy="1315628"/>
           </a:xfrm>
           <a:prstGeom prst="straightConnector1">
             <a:avLst/>
@@ -5015,6 +5077,7 @@
             <a:solidFill>
               <a:schemeClr val="accent2"/>
             </a:solidFill>
+            <a:headEnd type="triangle"/>
             <a:tailEnd type="triangle"/>
           </a:ln>
         </p:spPr>
@@ -5033,505 +5096,6 @@
           </a:fontRef>
         </p:style>
       </p:cxnSp>
-      <p:cxnSp>
-        <p:nvCxnSpPr>
-          <p:cNvPr id="80" name="Straight Arrow Connector 79"/>
-          <p:cNvCxnSpPr/>
-          <p:nvPr/>
-        </p:nvCxnSpPr>
-        <p:spPr>
-          <a:xfrm flipH="1">
-            <a:off x="4605706" y="2414108"/>
-            <a:ext cx="1056264" cy="1568149"/>
-          </a:xfrm>
-          <a:prstGeom prst="straightConnector1">
-            <a:avLst/>
-          </a:prstGeom>
-          <a:ln>
-            <a:solidFill>
-              <a:schemeClr val="accent2"/>
-            </a:solidFill>
-            <a:tailEnd type="triangle"/>
-          </a:ln>
-        </p:spPr>
-        <p:style>
-          <a:lnRef idx="1">
-            <a:schemeClr val="accent1"/>
-          </a:lnRef>
-          <a:fillRef idx="0">
-            <a:schemeClr val="accent1"/>
-          </a:fillRef>
-          <a:effectRef idx="0">
-            <a:schemeClr val="accent1"/>
-          </a:effectRef>
-          <a:fontRef idx="minor">
-            <a:schemeClr val="tx1"/>
-          </a:fontRef>
-        </p:style>
-      </p:cxnSp>
-      <p:cxnSp>
-        <p:nvCxnSpPr>
-          <p:cNvPr id="81" name="Straight Arrow Connector 80"/>
-          <p:cNvCxnSpPr/>
-          <p:nvPr/>
-        </p:nvCxnSpPr>
-        <p:spPr>
-          <a:xfrm>
-            <a:off x="5990538" y="2414108"/>
-            <a:ext cx="1056264" cy="1568149"/>
-          </a:xfrm>
-          <a:prstGeom prst="straightConnector1">
-            <a:avLst/>
-          </a:prstGeom>
-          <a:ln>
-            <a:solidFill>
-              <a:schemeClr val="accent2"/>
-            </a:solidFill>
-            <a:tailEnd type="triangle"/>
-          </a:ln>
-        </p:spPr>
-        <p:style>
-          <a:lnRef idx="1">
-            <a:schemeClr val="accent1"/>
-          </a:lnRef>
-          <a:fillRef idx="0">
-            <a:schemeClr val="accent1"/>
-          </a:fillRef>
-          <a:effectRef idx="0">
-            <a:schemeClr val="accent1"/>
-          </a:effectRef>
-          <a:fontRef idx="minor">
-            <a:schemeClr val="tx1"/>
-          </a:fontRef>
-        </p:style>
-      </p:cxnSp>
-      <p:sp>
-        <p:nvSpPr>
-          <p:cNvPr id="82" name="TextBox 81"/>
-          <p:cNvSpPr txBox="1"/>
-          <p:nvPr/>
-        </p:nvSpPr>
-        <p:spPr>
-          <a:xfrm>
-            <a:off x="3331776" y="4427432"/>
-            <a:ext cx="640080" cy="184307"/>
-          </a:xfrm>
-          <a:prstGeom prst="rect">
-            <a:avLst/>
-          </a:prstGeom>
-          <a:noFill/>
-        </p:spPr>
-        <p:txBody>
-          <a:bodyPr wrap="square" lIns="0" tIns="0" rIns="0" bIns="0" rtlCol="0" anchor="t">
-            <a:noAutofit/>
-          </a:bodyPr>
-          <a:lstStyle/>
-          <a:p>
-            <a:pPr algn="ctr"/>
-            <a:r>
-              <a:rPr lang="en-US" sz="800" b="1" dirty="0" smtClean="0"/>
-              <a:t>Jenkins</a:t>
-            </a:r>
-            <a:endParaRPr lang="en-US" sz="1400" b="1" dirty="0"/>
-          </a:p>
-        </p:txBody>
-      </p:sp>
-      <p:sp>
-        <p:nvSpPr>
-          <p:cNvPr id="15" name="TextBox 37"/>
-          <p:cNvSpPr txBox="1">
-            <a:spLocks noChangeArrowheads="1"/>
-          </p:cNvSpPr>
-          <p:nvPr/>
-        </p:nvSpPr>
-        <p:spPr bwMode="auto">
-          <a:xfrm>
-            <a:off x="3256134" y="1189438"/>
-            <a:ext cx="1519315" cy="246221"/>
-          </a:xfrm>
-          <a:prstGeom prst="rect">
-            <a:avLst/>
-          </a:prstGeom>
-          <a:noFill/>
-          <a:ln w="9525">
-            <a:noFill/>
-            <a:miter lim="800000"/>
-            <a:headEnd/>
-            <a:tailEnd/>
-          </a:ln>
-        </p:spPr>
-        <p:txBody>
-          <a:bodyPr wrap="square">
-            <a:spAutoFit/>
-          </a:bodyPr>
-          <a:lstStyle/>
-          <a:p>
-            <a:pPr algn="ctr"/>
-            <a:r>
-              <a:rPr lang="en-US" sz="1000" b="1" dirty="0" smtClean="0">
-                <a:latin typeface="+mj-lt"/>
-                <a:ea typeface="Verdana" pitchFamily="34" charset="0"/>
-                <a:cs typeface="Helvetica Neue"/>
-              </a:rPr>
-              <a:t>Public </a:t>
-            </a:r>
-            <a:r>
-              <a:rPr lang="en-US" sz="1000" b="1" dirty="0" smtClean="0">
-                <a:latin typeface="+mj-lt"/>
-                <a:ea typeface="Verdana" pitchFamily="34" charset="0"/>
-                <a:cs typeface="Helvetica Neue"/>
-              </a:rPr>
-              <a:t>subnet 1</a:t>
-            </a:r>
-            <a:endParaRPr lang="en-US" sz="1000" b="1" dirty="0">
-              <a:latin typeface="+mj-lt"/>
-              <a:ea typeface="Verdana" pitchFamily="34" charset="0"/>
-              <a:cs typeface="Helvetica Neue"/>
-            </a:endParaRPr>
-          </a:p>
-        </p:txBody>
-      </p:sp>
-      <p:cxnSp>
-        <p:nvCxnSpPr>
-          <p:cNvPr id="83" name="Straight Arrow Connector 82"/>
-          <p:cNvCxnSpPr/>
-          <p:nvPr/>
-        </p:nvCxnSpPr>
-        <p:spPr>
-          <a:xfrm>
-            <a:off x="3660683" y="4546674"/>
-            <a:ext cx="561999" cy="1133825"/>
-          </a:xfrm>
-          <a:prstGeom prst="straightConnector1">
-            <a:avLst/>
-          </a:prstGeom>
-          <a:ln>
-            <a:solidFill>
-              <a:schemeClr val="accent2"/>
-            </a:solidFill>
-            <a:tailEnd type="triangle"/>
-          </a:ln>
-        </p:spPr>
-        <p:style>
-          <a:lnRef idx="1">
-            <a:schemeClr val="accent1"/>
-          </a:lnRef>
-          <a:fillRef idx="0">
-            <a:schemeClr val="accent1"/>
-          </a:fillRef>
-          <a:effectRef idx="0">
-            <a:schemeClr val="accent1"/>
-          </a:effectRef>
-          <a:fontRef idx="minor">
-            <a:schemeClr val="tx1"/>
-          </a:fontRef>
-        </p:style>
-      </p:cxnSp>
-      <p:pic>
-        <p:nvPicPr>
-          <p:cNvPr id="84" name="Picture 83"/>
-          <p:cNvPicPr>
-            <a:picLocks noChangeAspect="1"/>
-          </p:cNvPicPr>
-          <p:nvPr/>
-        </p:nvPicPr>
-        <p:blipFill>
-          <a:blip r:embed="rId14">
-            <a:extLst>
-              <a:ext uri="{28A0092B-C50C-407E-A947-70E740481C1C}">
-                <a14:useLocalDpi xmlns:a14="http://schemas.microsoft.com/office/drawing/2010/main" val="0"/>
-              </a:ext>
-            </a:extLst>
-          </a:blip>
-          <a:stretch>
-            <a:fillRect/>
-          </a:stretch>
-        </p:blipFill>
-        <p:spPr>
-          <a:xfrm>
-            <a:off x="6444249" y="3934092"/>
-            <a:ext cx="540572" cy="304833"/>
-          </a:xfrm>
-          <a:prstGeom prst="rect">
-            <a:avLst/>
-          </a:prstGeom>
-        </p:spPr>
-      </p:pic>
-      <p:sp>
-        <p:nvSpPr>
-          <p:cNvPr id="85" name="TextBox 84"/>
-          <p:cNvSpPr txBox="1"/>
-          <p:nvPr/>
-        </p:nvSpPr>
-        <p:spPr>
-          <a:xfrm>
-            <a:off x="6395888" y="4252773"/>
-            <a:ext cx="640080" cy="184307"/>
-          </a:xfrm>
-          <a:prstGeom prst="rect">
-            <a:avLst/>
-          </a:prstGeom>
-          <a:noFill/>
-        </p:spPr>
-        <p:txBody>
-          <a:bodyPr wrap="square" lIns="0" tIns="0" rIns="0" bIns="0" rtlCol="0" anchor="t">
-            <a:noAutofit/>
-          </a:bodyPr>
-          <a:lstStyle/>
-          <a:p>
-            <a:pPr algn="ctr"/>
-            <a:r>
-              <a:rPr lang="en-US" sz="800" b="1" dirty="0" smtClean="0"/>
-              <a:t>API</a:t>
-            </a:r>
-            <a:endParaRPr lang="en-US" sz="1400" b="1" dirty="0"/>
-          </a:p>
-        </p:txBody>
-      </p:sp>
-      <p:cxnSp>
-        <p:nvCxnSpPr>
-          <p:cNvPr id="89" name="Straight Arrow Connector 88"/>
-          <p:cNvCxnSpPr/>
-          <p:nvPr/>
-        </p:nvCxnSpPr>
-        <p:spPr>
-          <a:xfrm>
-            <a:off x="3669541" y="4549363"/>
-            <a:ext cx="1939224" cy="1203345"/>
-          </a:xfrm>
-          <a:prstGeom prst="straightConnector1">
-            <a:avLst/>
-          </a:prstGeom>
-          <a:ln>
-            <a:solidFill>
-              <a:schemeClr val="accent6">
-                <a:lumMod val="75000"/>
-              </a:schemeClr>
-            </a:solidFill>
-            <a:tailEnd type="triangle"/>
-          </a:ln>
-        </p:spPr>
-        <p:style>
-          <a:lnRef idx="1">
-            <a:schemeClr val="accent1"/>
-          </a:lnRef>
-          <a:fillRef idx="0">
-            <a:schemeClr val="accent1"/>
-          </a:fillRef>
-          <a:effectRef idx="0">
-            <a:schemeClr val="accent1"/>
-          </a:effectRef>
-          <a:fontRef idx="minor">
-            <a:schemeClr val="tx1"/>
-          </a:fontRef>
-        </p:style>
-      </p:cxnSp>
-      <p:cxnSp>
-        <p:nvCxnSpPr>
-          <p:cNvPr id="90" name="Straight Arrow Connector 89"/>
-          <p:cNvCxnSpPr/>
-          <p:nvPr/>
-        </p:nvCxnSpPr>
-        <p:spPr>
-          <a:xfrm>
-            <a:off x="3691980" y="4553400"/>
-            <a:ext cx="3264642" cy="1229385"/>
-          </a:xfrm>
-          <a:prstGeom prst="straightConnector1">
-            <a:avLst/>
-          </a:prstGeom>
-          <a:ln>
-            <a:solidFill>
-              <a:srgbClr val="C00000"/>
-            </a:solidFill>
-            <a:tailEnd type="triangle"/>
-          </a:ln>
-        </p:spPr>
-        <p:style>
-          <a:lnRef idx="1">
-            <a:schemeClr val="accent1"/>
-          </a:lnRef>
-          <a:fillRef idx="0">
-            <a:schemeClr val="accent1"/>
-          </a:fillRef>
-          <a:effectRef idx="0">
-            <a:schemeClr val="accent1"/>
-          </a:effectRef>
-          <a:fontRef idx="minor">
-            <a:schemeClr val="tx1"/>
-          </a:fontRef>
-        </p:style>
-      </p:cxnSp>
-      <p:cxnSp>
-        <p:nvCxnSpPr>
-          <p:cNvPr id="91" name="Straight Arrow Connector 90"/>
-          <p:cNvCxnSpPr>
-            <a:stCxn id="85" idx="2"/>
-          </p:cNvCxnSpPr>
-          <p:nvPr/>
-        </p:nvCxnSpPr>
-        <p:spPr>
-          <a:xfrm flipH="1">
-            <a:off x="6084508" y="4437080"/>
-            <a:ext cx="631420" cy="1315628"/>
-          </a:xfrm>
-          <a:prstGeom prst="straightConnector1">
-            <a:avLst/>
-          </a:prstGeom>
-          <a:ln>
-            <a:solidFill>
-              <a:schemeClr val="accent6">
-                <a:lumMod val="75000"/>
-              </a:schemeClr>
-            </a:solidFill>
-            <a:tailEnd type="triangle"/>
-          </a:ln>
-        </p:spPr>
-        <p:style>
-          <a:lnRef idx="1">
-            <a:schemeClr val="accent1"/>
-          </a:lnRef>
-          <a:fillRef idx="0">
-            <a:schemeClr val="accent1"/>
-          </a:fillRef>
-          <a:effectRef idx="0">
-            <a:schemeClr val="accent1"/>
-          </a:effectRef>
-          <a:fontRef idx="minor">
-            <a:schemeClr val="tx1"/>
-          </a:fontRef>
-        </p:style>
-      </p:cxnSp>
-      <p:cxnSp>
-        <p:nvCxnSpPr>
-          <p:cNvPr id="92" name="Straight Arrow Connector 91"/>
-          <p:cNvCxnSpPr/>
-          <p:nvPr/>
-        </p:nvCxnSpPr>
-        <p:spPr>
-          <a:xfrm>
-            <a:off x="6705264" y="4448803"/>
-            <a:ext cx="279557" cy="1314881"/>
-          </a:xfrm>
-          <a:prstGeom prst="straightConnector1">
-            <a:avLst/>
-          </a:prstGeom>
-          <a:ln>
-            <a:solidFill>
-              <a:srgbClr val="C00000"/>
-            </a:solidFill>
-            <a:tailEnd type="triangle"/>
-          </a:ln>
-        </p:spPr>
-        <p:style>
-          <a:lnRef idx="1">
-            <a:schemeClr val="accent1"/>
-          </a:lnRef>
-          <a:fillRef idx="0">
-            <a:schemeClr val="accent1"/>
-          </a:fillRef>
-          <a:effectRef idx="0">
-            <a:schemeClr val="accent1"/>
-          </a:effectRef>
-          <a:fontRef idx="minor">
-            <a:schemeClr val="tx1"/>
-          </a:fontRef>
-        </p:style>
-      </p:cxnSp>
-      <p:sp>
-        <p:nvSpPr>
-          <p:cNvPr id="94" name="TextBox 37"/>
-          <p:cNvSpPr txBox="1">
-            <a:spLocks noChangeArrowheads="1"/>
-          </p:cNvSpPr>
-          <p:nvPr/>
-        </p:nvSpPr>
-        <p:spPr bwMode="auto">
-          <a:xfrm>
-            <a:off x="3251390" y="2807753"/>
-            <a:ext cx="1519315" cy="246221"/>
-          </a:xfrm>
-          <a:prstGeom prst="rect">
-            <a:avLst/>
-          </a:prstGeom>
-          <a:noFill/>
-          <a:ln w="9525">
-            <a:noFill/>
-            <a:miter lim="800000"/>
-            <a:headEnd/>
-            <a:tailEnd/>
-          </a:ln>
-        </p:spPr>
-        <p:txBody>
-          <a:bodyPr wrap="square">
-            <a:spAutoFit/>
-          </a:bodyPr>
-          <a:lstStyle/>
-          <a:p>
-            <a:pPr algn="ctr"/>
-            <a:r>
-              <a:rPr lang="en-US" sz="1000" b="1" smtClean="0">
-                <a:latin typeface="+mj-lt"/>
-                <a:ea typeface="Verdana" pitchFamily="34" charset="0"/>
-                <a:cs typeface="Helvetica Neue"/>
-              </a:rPr>
-              <a:t>Private subnet 1</a:t>
-            </a:r>
-            <a:endParaRPr lang="en-US" sz="1000" b="1" dirty="0">
-              <a:latin typeface="+mj-lt"/>
-              <a:ea typeface="Verdana" pitchFamily="34" charset="0"/>
-              <a:cs typeface="Helvetica Neue"/>
-            </a:endParaRPr>
-          </a:p>
-        </p:txBody>
-      </p:sp>
-      <p:sp>
-        <p:nvSpPr>
-          <p:cNvPr id="95" name="TextBox 37"/>
-          <p:cNvSpPr txBox="1">
-            <a:spLocks noChangeArrowheads="1"/>
-          </p:cNvSpPr>
-          <p:nvPr/>
-        </p:nvSpPr>
-        <p:spPr bwMode="auto">
-          <a:xfrm>
-            <a:off x="6918635" y="2807753"/>
-            <a:ext cx="1519315" cy="246221"/>
-          </a:xfrm>
-          <a:prstGeom prst="rect">
-            <a:avLst/>
-          </a:prstGeom>
-          <a:noFill/>
-          <a:ln w="9525">
-            <a:noFill/>
-            <a:miter lim="800000"/>
-            <a:headEnd/>
-            <a:tailEnd/>
-          </a:ln>
-        </p:spPr>
-        <p:txBody>
-          <a:bodyPr wrap="square">
-            <a:spAutoFit/>
-          </a:bodyPr>
-          <a:lstStyle/>
-          <a:p>
-            <a:pPr algn="ctr"/>
-            <a:r>
-              <a:rPr lang="en-US" sz="1000" b="1" dirty="0" smtClean="0">
-                <a:latin typeface="+mj-lt"/>
-                <a:ea typeface="Verdana" pitchFamily="34" charset="0"/>
-                <a:cs typeface="Helvetica Neue"/>
-              </a:rPr>
-              <a:t>Private subnet 2</a:t>
-            </a:r>
-            <a:endParaRPr lang="en-US" sz="1000" b="1" dirty="0">
-              <a:latin typeface="+mj-lt"/>
-              <a:ea typeface="Verdana" pitchFamily="34" charset="0"/>
-              <a:cs typeface="Helvetica Neue"/>
-            </a:endParaRPr>
-          </a:p>
-        </p:txBody>
-      </p:sp>
     </p:spTree>
     <p:extLst>
       <p:ext uri="{BB962C8B-B14F-4D97-AF65-F5344CB8AC3E}">
